--- a/aula15/Atividade_20240701.pptx
+++ b/aula15/Atividade_20240701.pptx
@@ -5,14 +5,18 @@
     <p:sldMasterId id="2147483660" r:id="rId4"/>
   </p:sldMasterIdLst>
   <p:notesMasterIdLst>
-    <p:notesMasterId r:id="rId7"/>
+    <p:notesMasterId r:id="rId11"/>
   </p:notesMasterIdLst>
   <p:handoutMasterIdLst>
-    <p:handoutMasterId r:id="rId8"/>
+    <p:handoutMasterId r:id="rId12"/>
   </p:handoutMasterIdLst>
   <p:sldIdLst>
     <p:sldId id="266" r:id="rId5"/>
     <p:sldId id="267" r:id="rId6"/>
+    <p:sldId id="268" r:id="rId7"/>
+    <p:sldId id="269" r:id="rId8"/>
+    <p:sldId id="271" r:id="rId9"/>
+    <p:sldId id="270" r:id="rId10"/>
   </p:sldIdLst>
   <p:sldSz cx="12192000" cy="6858000"/>
   <p:notesSz cx="6858000" cy="9144000"/>
@@ -120,6 +124,111 @@
     </p:ext>
   </p:extLst>
 </p:presentation>
+</file>
+
+<file path=ppt/changesInfos/changesInfo1.xml><?xml version="1.0" encoding="utf-8"?>
+<pc:chgInfo xmlns:a="http://schemas.openxmlformats.org/drawingml/2006/main" xmlns:r="http://schemas.openxmlformats.org/officeDocument/2006/relationships" xmlns:ac="http://schemas.microsoft.com/office/drawing/2013/main/command" xmlns:pc="http://schemas.microsoft.com/office/powerpoint/2013/main/command">
+  <pc:docChgLst>
+    <pc:chgData name="Emerson Inocente" userId="fc384103c10aad04" providerId="LiveId" clId="{99DC8AEB-11F4-4B8B-90BA-F0C8C9E515F0}"/>
+    <pc:docChg chg="custSel addSld delSld modSld sldOrd">
+      <pc:chgData name="Emerson Inocente" userId="fc384103c10aad04" providerId="LiveId" clId="{99DC8AEB-11F4-4B8B-90BA-F0C8C9E515F0}" dt="2024-07-01T22:42:31.854" v="381" actId="20577"/>
+      <pc:docMkLst>
+        <pc:docMk/>
+      </pc:docMkLst>
+      <pc:sldChg chg="modSp new mod">
+        <pc:chgData name="Emerson Inocente" userId="fc384103c10aad04" providerId="LiveId" clId="{99DC8AEB-11F4-4B8B-90BA-F0C8C9E515F0}" dt="2024-07-01T22:36:27.846" v="187" actId="20577"/>
+        <pc:sldMkLst>
+          <pc:docMk/>
+          <pc:sldMk cId="224409415" sldId="268"/>
+        </pc:sldMkLst>
+        <pc:spChg chg="mod">
+          <ac:chgData name="Emerson Inocente" userId="fc384103c10aad04" providerId="LiveId" clId="{99DC8AEB-11F4-4B8B-90BA-F0C8C9E515F0}" dt="2024-07-01T22:36:27.846" v="187" actId="20577"/>
+          <ac:spMkLst>
+            <pc:docMk/>
+            <pc:sldMk cId="224409415" sldId="268"/>
+            <ac:spMk id="2" creationId="{710D39EE-1E7C-A5E6-23F1-24C77DC90ADA}"/>
+          </ac:spMkLst>
+        </pc:spChg>
+        <pc:spChg chg="mod">
+          <ac:chgData name="Emerson Inocente" userId="fc384103c10aad04" providerId="LiveId" clId="{99DC8AEB-11F4-4B8B-90BA-F0C8C9E515F0}" dt="2024-07-01T22:34:51.865" v="145" actId="20577"/>
+          <ac:spMkLst>
+            <pc:docMk/>
+            <pc:sldMk cId="224409415" sldId="268"/>
+            <ac:spMk id="3" creationId="{12FD88A7-9D06-7DCD-B1EB-FB217831666C}"/>
+          </ac:spMkLst>
+        </pc:spChg>
+      </pc:sldChg>
+      <pc:sldChg chg="modSp add mod">
+        <pc:chgData name="Emerson Inocente" userId="fc384103c10aad04" providerId="LiveId" clId="{99DC8AEB-11F4-4B8B-90BA-F0C8C9E515F0}" dt="2024-07-01T22:42:10.244" v="366" actId="20577"/>
+        <pc:sldMkLst>
+          <pc:docMk/>
+          <pc:sldMk cId="3636506348" sldId="269"/>
+        </pc:sldMkLst>
+        <pc:spChg chg="mod">
+          <ac:chgData name="Emerson Inocente" userId="fc384103c10aad04" providerId="LiveId" clId="{99DC8AEB-11F4-4B8B-90BA-F0C8C9E515F0}" dt="2024-07-01T22:42:10.244" v="366" actId="20577"/>
+          <ac:spMkLst>
+            <pc:docMk/>
+            <pc:sldMk cId="3636506348" sldId="269"/>
+            <ac:spMk id="2" creationId="{710D39EE-1E7C-A5E6-23F1-24C77DC90ADA}"/>
+          </ac:spMkLst>
+        </pc:spChg>
+      </pc:sldChg>
+      <pc:sldChg chg="modSp add mod">
+        <pc:chgData name="Emerson Inocente" userId="fc384103c10aad04" providerId="LiveId" clId="{99DC8AEB-11F4-4B8B-90BA-F0C8C9E515F0}" dt="2024-07-01T22:41:32.939" v="359" actId="20577"/>
+        <pc:sldMkLst>
+          <pc:docMk/>
+          <pc:sldMk cId="4291238041" sldId="270"/>
+        </pc:sldMkLst>
+        <pc:spChg chg="mod">
+          <ac:chgData name="Emerson Inocente" userId="fc384103c10aad04" providerId="LiveId" clId="{99DC8AEB-11F4-4B8B-90BA-F0C8C9E515F0}" dt="2024-07-01T22:36:58.989" v="212" actId="20577"/>
+          <ac:spMkLst>
+            <pc:docMk/>
+            <pc:sldMk cId="4291238041" sldId="270"/>
+            <ac:spMk id="2" creationId="{710D39EE-1E7C-A5E6-23F1-24C77DC90ADA}"/>
+          </ac:spMkLst>
+        </pc:spChg>
+        <pc:spChg chg="mod">
+          <ac:chgData name="Emerson Inocente" userId="fc384103c10aad04" providerId="LiveId" clId="{99DC8AEB-11F4-4B8B-90BA-F0C8C9E515F0}" dt="2024-07-01T22:41:32.939" v="359" actId="20577"/>
+          <ac:spMkLst>
+            <pc:docMk/>
+            <pc:sldMk cId="4291238041" sldId="270"/>
+            <ac:spMk id="3" creationId="{12FD88A7-9D06-7DCD-B1EB-FB217831666C}"/>
+          </ac:spMkLst>
+        </pc:spChg>
+      </pc:sldChg>
+      <pc:sldChg chg="modSp add mod ord">
+        <pc:chgData name="Emerson Inocente" userId="fc384103c10aad04" providerId="LiveId" clId="{99DC8AEB-11F4-4B8B-90BA-F0C8C9E515F0}" dt="2024-07-01T22:42:31.854" v="381" actId="20577"/>
+        <pc:sldMkLst>
+          <pc:docMk/>
+          <pc:sldMk cId="1999066702" sldId="271"/>
+        </pc:sldMkLst>
+        <pc:spChg chg="mod">
+          <ac:chgData name="Emerson Inocente" userId="fc384103c10aad04" providerId="LiveId" clId="{99DC8AEB-11F4-4B8B-90BA-F0C8C9E515F0}" dt="2024-07-01T22:42:18.837" v="373" actId="20577"/>
+          <ac:spMkLst>
+            <pc:docMk/>
+            <pc:sldMk cId="1999066702" sldId="271"/>
+            <ac:spMk id="2" creationId="{710D39EE-1E7C-A5E6-23F1-24C77DC90ADA}"/>
+          </ac:spMkLst>
+        </pc:spChg>
+        <pc:spChg chg="mod">
+          <ac:chgData name="Emerson Inocente" userId="fc384103c10aad04" providerId="LiveId" clId="{99DC8AEB-11F4-4B8B-90BA-F0C8C9E515F0}" dt="2024-07-01T22:42:31.854" v="381" actId="20577"/>
+          <ac:spMkLst>
+            <pc:docMk/>
+            <pc:sldMk cId="1999066702" sldId="271"/>
+            <ac:spMk id="3" creationId="{12FD88A7-9D06-7DCD-B1EB-FB217831666C}"/>
+          </ac:spMkLst>
+        </pc:spChg>
+      </pc:sldChg>
+      <pc:sldChg chg="add del">
+        <pc:chgData name="Emerson Inocente" userId="fc384103c10aad04" providerId="LiveId" clId="{99DC8AEB-11F4-4B8B-90BA-F0C8C9E515F0}" dt="2024-07-01T22:41:50.401" v="361" actId="47"/>
+        <pc:sldMkLst>
+          <pc:docMk/>
+          <pc:sldMk cId="2521971816" sldId="271"/>
+        </pc:sldMkLst>
+      </pc:sldChg>
+    </pc:docChg>
+  </pc:docChgLst>
+</pc:chgInfo>
 </file>
 
 <file path=ppt/handoutMasters/handoutMaster1.xml><?xml version="1.0" encoding="utf-8"?>
@@ -4733,6 +4842,573 @@
     <p:extLst>
       <p:ext uri="{BB962C8B-B14F-4D97-AF65-F5344CB8AC3E}">
         <p14:creationId xmlns:p14="http://schemas.microsoft.com/office/powerpoint/2010/main" val="1323288925"/>
+      </p:ext>
+    </p:extLst>
+  </p:cSld>
+  <p:clrMapOvr>
+    <a:masterClrMapping/>
+  </p:clrMapOvr>
+</p:sld>
+</file>
+
+<file path=ppt/slides/slide3.xml><?xml version="1.0" encoding="utf-8"?>
+<p:sld xmlns:a="http://schemas.openxmlformats.org/drawingml/2006/main" xmlns:r="http://schemas.openxmlformats.org/officeDocument/2006/relationships" xmlns:p="http://schemas.openxmlformats.org/presentationml/2006/main">
+  <p:cSld>
+    <p:spTree>
+      <p:nvGrpSpPr>
+        <p:cNvPr id="1" name=""/>
+        <p:cNvGrpSpPr/>
+        <p:nvPr/>
+      </p:nvGrpSpPr>
+      <p:grpSpPr>
+        <a:xfrm>
+          <a:off x="0" y="0"/>
+          <a:ext cx="0" cy="0"/>
+          <a:chOff x="0" y="0"/>
+          <a:chExt cx="0" cy="0"/>
+        </a:xfrm>
+      </p:grpSpPr>
+      <p:sp>
+        <p:nvSpPr>
+          <p:cNvPr id="2" name="Título 1">
+            <a:extLst>
+              <a:ext uri="{FF2B5EF4-FFF2-40B4-BE49-F238E27FC236}">
+                <a16:creationId xmlns:a16="http://schemas.microsoft.com/office/drawing/2014/main" id="{710D39EE-1E7C-A5E6-23F1-24C77DC90ADA}"/>
+              </a:ext>
+            </a:extLst>
+          </p:cNvPr>
+          <p:cNvSpPr>
+            <a:spLocks noGrp="1"/>
+          </p:cNvSpPr>
+          <p:nvPr>
+            <p:ph type="title"/>
+          </p:nvPr>
+        </p:nvSpPr>
+        <p:spPr/>
+        <p:txBody>
+          <a:bodyPr/>
+          <a:lstStyle/>
+          <a:p>
+            <a:r>
+              <a:rPr lang="en-GB" dirty="0" err="1"/>
+              <a:t>Computadores</a:t>
+            </a:r>
+            <a:r>
+              <a:rPr lang="en-GB" dirty="0"/>
+              <a:t> </a:t>
+            </a:r>
+            <a:r>
+              <a:rPr lang="en-GB" dirty="0" err="1"/>
+              <a:t>Contabilidade</a:t>
+            </a:r>
+            <a:r>
+              <a:rPr lang="en-GB" dirty="0"/>
+              <a:t> (5 PCs)</a:t>
+            </a:r>
+            <a:endParaRPr lang="pt-BR" dirty="0"/>
+          </a:p>
+        </p:txBody>
+      </p:sp>
+      <p:sp>
+        <p:nvSpPr>
+          <p:cNvPr id="3" name="Espaço Reservado para Conteúdo 2">
+            <a:extLst>
+              <a:ext uri="{FF2B5EF4-FFF2-40B4-BE49-F238E27FC236}">
+                <a16:creationId xmlns:a16="http://schemas.microsoft.com/office/drawing/2014/main" id="{12FD88A7-9D06-7DCD-B1EB-FB217831666C}"/>
+              </a:ext>
+            </a:extLst>
+          </p:cNvPr>
+          <p:cNvSpPr>
+            <a:spLocks noGrp="1"/>
+          </p:cNvSpPr>
+          <p:nvPr>
+            <p:ph idx="1"/>
+          </p:nvPr>
+        </p:nvSpPr>
+        <p:spPr/>
+        <p:txBody>
+          <a:bodyPr/>
+          <a:lstStyle/>
+          <a:p>
+            <a:r>
+              <a:rPr lang="en-GB" dirty="0"/>
+              <a:t>PC Dell </a:t>
+            </a:r>
+            <a:r>
+              <a:rPr lang="en-GB" dirty="0" err="1"/>
+              <a:t>Optiplex</a:t>
+            </a:r>
+            <a:r>
+              <a:rPr lang="en-GB" dirty="0"/>
+              <a:t> 3060</a:t>
+            </a:r>
+          </a:p>
+          <a:p>
+            <a:r>
+              <a:rPr lang="en-GB" dirty="0" err="1"/>
+              <a:t>Processador</a:t>
+            </a:r>
+            <a:r>
+              <a:rPr lang="en-GB" dirty="0"/>
+              <a:t> i5</a:t>
+            </a:r>
+          </a:p>
+          <a:p>
+            <a:r>
+              <a:rPr lang="pt-BR" dirty="0"/>
+              <a:t>Memória 8G RAM</a:t>
+            </a:r>
+          </a:p>
+          <a:p>
+            <a:r>
+              <a:rPr lang="pt-BR" dirty="0"/>
+              <a:t>Disco HD 500GB</a:t>
+            </a:r>
+          </a:p>
+          <a:p>
+            <a:r>
+              <a:rPr lang="pt-BR" dirty="0"/>
+              <a:t>MS Windows 10 PRO</a:t>
+            </a:r>
+          </a:p>
+        </p:txBody>
+      </p:sp>
+    </p:spTree>
+    <p:extLst>
+      <p:ext uri="{BB962C8B-B14F-4D97-AF65-F5344CB8AC3E}">
+        <p14:creationId xmlns:p14="http://schemas.microsoft.com/office/powerpoint/2010/main" val="224409415"/>
+      </p:ext>
+    </p:extLst>
+  </p:cSld>
+  <p:clrMapOvr>
+    <a:masterClrMapping/>
+  </p:clrMapOvr>
+</p:sld>
+</file>
+
+<file path=ppt/slides/slide4.xml><?xml version="1.0" encoding="utf-8"?>
+<p:sld xmlns:a="http://schemas.openxmlformats.org/drawingml/2006/main" xmlns:r="http://schemas.openxmlformats.org/officeDocument/2006/relationships" xmlns:p="http://schemas.openxmlformats.org/presentationml/2006/main">
+  <p:cSld>
+    <p:spTree>
+      <p:nvGrpSpPr>
+        <p:cNvPr id="1" name=""/>
+        <p:cNvGrpSpPr/>
+        <p:nvPr/>
+      </p:nvGrpSpPr>
+      <p:grpSpPr>
+        <a:xfrm>
+          <a:off x="0" y="0"/>
+          <a:ext cx="0" cy="0"/>
+          <a:chOff x="0" y="0"/>
+          <a:chExt cx="0" cy="0"/>
+        </a:xfrm>
+      </p:grpSpPr>
+      <p:sp>
+        <p:nvSpPr>
+          <p:cNvPr id="2" name="Título 1">
+            <a:extLst>
+              <a:ext uri="{FF2B5EF4-FFF2-40B4-BE49-F238E27FC236}">
+                <a16:creationId xmlns:a16="http://schemas.microsoft.com/office/drawing/2014/main" id="{710D39EE-1E7C-A5E6-23F1-24C77DC90ADA}"/>
+              </a:ext>
+            </a:extLst>
+          </p:cNvPr>
+          <p:cNvSpPr>
+            <a:spLocks noGrp="1"/>
+          </p:cNvSpPr>
+          <p:nvPr>
+            <p:ph type="title"/>
+          </p:nvPr>
+        </p:nvSpPr>
+        <p:spPr/>
+        <p:txBody>
+          <a:bodyPr/>
+          <a:lstStyle/>
+          <a:p>
+            <a:r>
+              <a:rPr lang="en-GB" dirty="0" err="1"/>
+              <a:t>Computadores</a:t>
+            </a:r>
+            <a:r>
+              <a:rPr lang="en-GB" dirty="0"/>
+              <a:t> </a:t>
+            </a:r>
+            <a:r>
+              <a:rPr lang="en-GB" dirty="0" err="1"/>
+              <a:t>Administrativo</a:t>
+            </a:r>
+            <a:r>
+              <a:rPr lang="en-GB" dirty="0"/>
+              <a:t> (10 PCs)</a:t>
+            </a:r>
+            <a:endParaRPr lang="pt-BR" dirty="0"/>
+          </a:p>
+        </p:txBody>
+      </p:sp>
+      <p:sp>
+        <p:nvSpPr>
+          <p:cNvPr id="3" name="Espaço Reservado para Conteúdo 2">
+            <a:extLst>
+              <a:ext uri="{FF2B5EF4-FFF2-40B4-BE49-F238E27FC236}">
+                <a16:creationId xmlns:a16="http://schemas.microsoft.com/office/drawing/2014/main" id="{12FD88A7-9D06-7DCD-B1EB-FB217831666C}"/>
+              </a:ext>
+            </a:extLst>
+          </p:cNvPr>
+          <p:cNvSpPr>
+            <a:spLocks noGrp="1"/>
+          </p:cNvSpPr>
+          <p:nvPr>
+            <p:ph idx="1"/>
+          </p:nvPr>
+        </p:nvSpPr>
+        <p:spPr/>
+        <p:txBody>
+          <a:bodyPr/>
+          <a:lstStyle/>
+          <a:p>
+            <a:r>
+              <a:rPr lang="en-GB" dirty="0"/>
+              <a:t>PC Dell </a:t>
+            </a:r>
+            <a:r>
+              <a:rPr lang="en-GB" dirty="0" err="1"/>
+              <a:t>Optiplex</a:t>
+            </a:r>
+            <a:r>
+              <a:rPr lang="en-GB" dirty="0"/>
+              <a:t> 3060</a:t>
+            </a:r>
+          </a:p>
+          <a:p>
+            <a:r>
+              <a:rPr lang="en-GB" dirty="0" err="1"/>
+              <a:t>Processador</a:t>
+            </a:r>
+            <a:r>
+              <a:rPr lang="en-GB" dirty="0"/>
+              <a:t> i5</a:t>
+            </a:r>
+          </a:p>
+          <a:p>
+            <a:r>
+              <a:rPr lang="pt-BR" dirty="0"/>
+              <a:t>Memória 8G RAM</a:t>
+            </a:r>
+          </a:p>
+          <a:p>
+            <a:r>
+              <a:rPr lang="pt-BR" dirty="0"/>
+              <a:t>Disco HD 500GB</a:t>
+            </a:r>
+          </a:p>
+          <a:p>
+            <a:r>
+              <a:rPr lang="pt-BR" dirty="0"/>
+              <a:t>MS Windows 10 PRO</a:t>
+            </a:r>
+          </a:p>
+        </p:txBody>
+      </p:sp>
+    </p:spTree>
+    <p:extLst>
+      <p:ext uri="{BB962C8B-B14F-4D97-AF65-F5344CB8AC3E}">
+        <p14:creationId xmlns:p14="http://schemas.microsoft.com/office/powerpoint/2010/main" val="3636506348"/>
+      </p:ext>
+    </p:extLst>
+  </p:cSld>
+  <p:clrMapOvr>
+    <a:masterClrMapping/>
+  </p:clrMapOvr>
+</p:sld>
+</file>
+
+<file path=ppt/slides/slide5.xml><?xml version="1.0" encoding="utf-8"?>
+<p:sld xmlns:a="http://schemas.openxmlformats.org/drawingml/2006/main" xmlns:r="http://schemas.openxmlformats.org/officeDocument/2006/relationships" xmlns:p="http://schemas.openxmlformats.org/presentationml/2006/main">
+  <p:cSld>
+    <p:spTree>
+      <p:nvGrpSpPr>
+        <p:cNvPr id="1" name=""/>
+        <p:cNvGrpSpPr/>
+        <p:nvPr/>
+      </p:nvGrpSpPr>
+      <p:grpSpPr>
+        <a:xfrm>
+          <a:off x="0" y="0"/>
+          <a:ext cx="0" cy="0"/>
+          <a:chOff x="0" y="0"/>
+          <a:chExt cx="0" cy="0"/>
+        </a:xfrm>
+      </p:grpSpPr>
+      <p:sp>
+        <p:nvSpPr>
+          <p:cNvPr id="2" name="Título 1">
+            <a:extLst>
+              <a:ext uri="{FF2B5EF4-FFF2-40B4-BE49-F238E27FC236}">
+                <a16:creationId xmlns:a16="http://schemas.microsoft.com/office/drawing/2014/main" id="{710D39EE-1E7C-A5E6-23F1-24C77DC90ADA}"/>
+              </a:ext>
+            </a:extLst>
+          </p:cNvPr>
+          <p:cNvSpPr>
+            <a:spLocks noGrp="1"/>
+          </p:cNvSpPr>
+          <p:nvPr>
+            <p:ph type="title"/>
+          </p:nvPr>
+        </p:nvSpPr>
+        <p:spPr/>
+        <p:txBody>
+          <a:bodyPr/>
+          <a:lstStyle/>
+          <a:p>
+            <a:r>
+              <a:rPr lang="en-GB" dirty="0" err="1"/>
+              <a:t>Computadores</a:t>
+            </a:r>
+            <a:r>
+              <a:rPr lang="en-GB" dirty="0"/>
+              <a:t> </a:t>
+            </a:r>
+            <a:r>
+              <a:rPr lang="en-GB" dirty="0" err="1"/>
+              <a:t>Gestão</a:t>
+            </a:r>
+            <a:r>
+              <a:rPr lang="en-GB" dirty="0"/>
+              <a:t> (5 PCs)</a:t>
+            </a:r>
+            <a:endParaRPr lang="pt-BR" dirty="0"/>
+          </a:p>
+        </p:txBody>
+      </p:sp>
+      <p:sp>
+        <p:nvSpPr>
+          <p:cNvPr id="3" name="Espaço Reservado para Conteúdo 2">
+            <a:extLst>
+              <a:ext uri="{FF2B5EF4-FFF2-40B4-BE49-F238E27FC236}">
+                <a16:creationId xmlns:a16="http://schemas.microsoft.com/office/drawing/2014/main" id="{12FD88A7-9D06-7DCD-B1EB-FB217831666C}"/>
+              </a:ext>
+            </a:extLst>
+          </p:cNvPr>
+          <p:cNvSpPr>
+            <a:spLocks noGrp="1"/>
+          </p:cNvSpPr>
+          <p:nvPr>
+            <p:ph idx="1"/>
+          </p:nvPr>
+        </p:nvSpPr>
+        <p:spPr/>
+        <p:txBody>
+          <a:bodyPr/>
+          <a:lstStyle/>
+          <a:p>
+            <a:r>
+              <a:rPr lang="en-GB" dirty="0"/>
+              <a:t>PC Dell </a:t>
+            </a:r>
+            <a:r>
+              <a:rPr lang="en-GB" dirty="0" err="1"/>
+              <a:t>Optiplex</a:t>
+            </a:r>
+            <a:r>
+              <a:rPr lang="en-GB" dirty="0"/>
+              <a:t> 3060</a:t>
+            </a:r>
+          </a:p>
+          <a:p>
+            <a:r>
+              <a:rPr lang="en-GB" dirty="0" err="1"/>
+              <a:t>Processador</a:t>
+            </a:r>
+            <a:r>
+              <a:rPr lang="en-GB" dirty="0"/>
+              <a:t> i5</a:t>
+            </a:r>
+          </a:p>
+          <a:p>
+            <a:r>
+              <a:rPr lang="pt-BR" dirty="0"/>
+              <a:t>Memória 16G RAM</a:t>
+            </a:r>
+          </a:p>
+          <a:p>
+            <a:r>
+              <a:rPr lang="pt-BR"/>
+              <a:t>Disco SSD 540GB</a:t>
+            </a:r>
+            <a:endParaRPr lang="pt-BR" dirty="0"/>
+          </a:p>
+          <a:p>
+            <a:r>
+              <a:rPr lang="pt-BR" dirty="0"/>
+              <a:t>MS Windows 10 PRO</a:t>
+            </a:r>
+          </a:p>
+        </p:txBody>
+      </p:sp>
+    </p:spTree>
+    <p:extLst>
+      <p:ext uri="{BB962C8B-B14F-4D97-AF65-F5344CB8AC3E}">
+        <p14:creationId xmlns:p14="http://schemas.microsoft.com/office/powerpoint/2010/main" val="1999066702"/>
+      </p:ext>
+    </p:extLst>
+  </p:cSld>
+  <p:clrMapOvr>
+    <a:masterClrMapping/>
+  </p:clrMapOvr>
+</p:sld>
+</file>
+
+<file path=ppt/slides/slide6.xml><?xml version="1.0" encoding="utf-8"?>
+<p:sld xmlns:a="http://schemas.openxmlformats.org/drawingml/2006/main" xmlns:r="http://schemas.openxmlformats.org/officeDocument/2006/relationships" xmlns:p="http://schemas.openxmlformats.org/presentationml/2006/main">
+  <p:cSld>
+    <p:spTree>
+      <p:nvGrpSpPr>
+        <p:cNvPr id="1" name=""/>
+        <p:cNvGrpSpPr/>
+        <p:nvPr/>
+      </p:nvGrpSpPr>
+      <p:grpSpPr>
+        <a:xfrm>
+          <a:off x="0" y="0"/>
+          <a:ext cx="0" cy="0"/>
+          <a:chOff x="0" y="0"/>
+          <a:chExt cx="0" cy="0"/>
+        </a:xfrm>
+      </p:grpSpPr>
+      <p:sp>
+        <p:nvSpPr>
+          <p:cNvPr id="2" name="Título 1">
+            <a:extLst>
+              <a:ext uri="{FF2B5EF4-FFF2-40B4-BE49-F238E27FC236}">
+                <a16:creationId xmlns:a16="http://schemas.microsoft.com/office/drawing/2014/main" id="{710D39EE-1E7C-A5E6-23F1-24C77DC90ADA}"/>
+              </a:ext>
+            </a:extLst>
+          </p:cNvPr>
+          <p:cNvSpPr>
+            <a:spLocks noGrp="1"/>
+          </p:cNvSpPr>
+          <p:nvPr>
+            <p:ph type="title"/>
+          </p:nvPr>
+        </p:nvSpPr>
+        <p:spPr/>
+        <p:txBody>
+          <a:bodyPr/>
+          <a:lstStyle/>
+          <a:p>
+            <a:r>
+              <a:rPr lang="en-GB" dirty="0" err="1"/>
+              <a:t>Computadores</a:t>
+            </a:r>
+            <a:r>
+              <a:rPr lang="en-GB" dirty="0"/>
+              <a:t> </a:t>
+            </a:r>
+            <a:r>
+              <a:rPr lang="en-GB" dirty="0" err="1"/>
+              <a:t>Engenharia</a:t>
+            </a:r>
+            <a:r>
+              <a:rPr lang="en-GB" dirty="0"/>
+              <a:t> (10 PCs)</a:t>
+            </a:r>
+            <a:endParaRPr lang="pt-BR" dirty="0"/>
+          </a:p>
+        </p:txBody>
+      </p:sp>
+      <p:sp>
+        <p:nvSpPr>
+          <p:cNvPr id="3" name="Espaço Reservado para Conteúdo 2">
+            <a:extLst>
+              <a:ext uri="{FF2B5EF4-FFF2-40B4-BE49-F238E27FC236}">
+                <a16:creationId xmlns:a16="http://schemas.microsoft.com/office/drawing/2014/main" id="{12FD88A7-9D06-7DCD-B1EB-FB217831666C}"/>
+              </a:ext>
+            </a:extLst>
+          </p:cNvPr>
+          <p:cNvSpPr>
+            <a:spLocks noGrp="1"/>
+          </p:cNvSpPr>
+          <p:nvPr>
+            <p:ph idx="1"/>
+          </p:nvPr>
+        </p:nvSpPr>
+        <p:spPr/>
+        <p:txBody>
+          <a:bodyPr/>
+          <a:lstStyle/>
+          <a:p>
+            <a:r>
+              <a:rPr lang="en-GB" dirty="0"/>
+              <a:t>PC </a:t>
+            </a:r>
+            <a:r>
+              <a:rPr lang="en-GB" dirty="0" err="1"/>
+              <a:t>montado</a:t>
+            </a:r>
+            <a:endParaRPr lang="en-GB" dirty="0"/>
+          </a:p>
+          <a:p>
+            <a:r>
+              <a:rPr lang="en-GB" dirty="0" err="1"/>
+              <a:t>Processador</a:t>
+            </a:r>
+            <a:r>
+              <a:rPr lang="en-GB" dirty="0"/>
+              <a:t> i7 9 </a:t>
+            </a:r>
+            <a:r>
+              <a:rPr lang="en-GB" dirty="0" err="1"/>
+              <a:t>geração</a:t>
+            </a:r>
+            <a:r>
+              <a:rPr lang="en-GB" dirty="0"/>
+              <a:t> – </a:t>
+            </a:r>
+            <a:r>
+              <a:rPr lang="en-GB" dirty="0" err="1"/>
+              <a:t>Placa-mãe</a:t>
+            </a:r>
+            <a:r>
+              <a:rPr lang="en-GB" dirty="0"/>
+              <a:t> H310M</a:t>
+            </a:r>
+          </a:p>
+          <a:p>
+            <a:r>
+              <a:rPr lang="pt-BR" dirty="0"/>
+              <a:t>Memória 16G RAM</a:t>
+            </a:r>
+          </a:p>
+          <a:p>
+            <a:r>
+              <a:rPr lang="pt-BR" dirty="0"/>
+              <a:t>Disco SSD 540GB</a:t>
+            </a:r>
+          </a:p>
+          <a:p>
+            <a:r>
+              <a:rPr lang="pt-BR" dirty="0"/>
+              <a:t>        HDD 1TB</a:t>
+            </a:r>
+          </a:p>
+          <a:p>
+            <a:r>
+              <a:rPr lang="pt-BR" dirty="0"/>
+              <a:t>MS Windows 10 PRO</a:t>
+            </a:r>
+            <a:br>
+              <a:rPr lang="pt-BR" dirty="0"/>
+            </a:br>
+            <a:r>
+              <a:rPr lang="pt-BR" dirty="0"/>
+              <a:t>Placa Vídeo GeForce RTX 4070TI</a:t>
+            </a:r>
+          </a:p>
+        </p:txBody>
+      </p:sp>
+    </p:spTree>
+    <p:extLst>
+      <p:ext uri="{BB962C8B-B14F-4D97-AF65-F5344CB8AC3E}">
+        <p14:creationId xmlns:p14="http://schemas.microsoft.com/office/powerpoint/2010/main" val="4291238041"/>
       </p:ext>
     </p:extLst>
   </p:cSld>
@@ -5591,12 +6267,12 @@
 </file>
 
 <file path=customXml/item1.xml><?xml version="1.0" encoding="utf-8"?>
-<p:properties xmlns:p="http://schemas.microsoft.com/office/2006/metadata/properties" xmlns:xsi="http://www.w3.org/2001/XMLSchema-instance" xmlns:pc="http://schemas.microsoft.com/office/infopath/2007/PartnerControls">
-  <documentManagement>
-    <Status xmlns="71af3243-3dd4-4a8d-8c0d-dd76da1f02a5">Not started</Status>
-    <MediaServiceKeyPoints xmlns="71af3243-3dd4-4a8d-8c0d-dd76da1f02a5" xsi:nil="true"/>
-  </documentManagement>
-</p:properties>
+<?mso-contentType ?>
+<FormTemplates xmlns="http://schemas.microsoft.com/sharepoint/v3/contenttype/forms">
+  <Display>DocumentLibraryForm</Display>
+  <Edit>DocumentLibraryForm</Edit>
+  <New>DocumentLibraryForm</New>
+</FormTemplates>
 </file>
 
 <file path=customXml/item2.xml><?xml version="1.0" encoding="utf-8"?>
@@ -5821,20 +6497,18 @@
 </file>
 
 <file path=customXml/item3.xml><?xml version="1.0" encoding="utf-8"?>
-<?mso-contentType ?>
-<FormTemplates xmlns="http://schemas.microsoft.com/sharepoint/v3/contenttype/forms">
-  <Display>DocumentLibraryForm</Display>
-  <Edit>DocumentLibraryForm</Edit>
-  <New>DocumentLibraryForm</New>
-</FormTemplates>
+<p:properties xmlns:p="http://schemas.microsoft.com/office/2006/metadata/properties" xmlns:xsi="http://www.w3.org/2001/XMLSchema-instance" xmlns:pc="http://schemas.microsoft.com/office/infopath/2007/PartnerControls">
+  <documentManagement>
+    <Status xmlns="71af3243-3dd4-4a8d-8c0d-dd76da1f02a5">Not started</Status>
+    <MediaServiceKeyPoints xmlns="71af3243-3dd4-4a8d-8c0d-dd76da1f02a5" xsi:nil="true"/>
+  </documentManagement>
+</p:properties>
 </file>
 
 <file path=customXml/itemProps1.xml><?xml version="1.0" encoding="utf-8"?>
-<ds:datastoreItem xmlns:ds="http://schemas.openxmlformats.org/officeDocument/2006/customXml" ds:itemID="{8F3CD65D-61A5-43C9-A837-6EC73C7DA8AB}">
+<ds:datastoreItem xmlns:ds="http://schemas.openxmlformats.org/officeDocument/2006/customXml" ds:itemID="{31F006B4-A9E1-4F39-85C8-FB836F919348}">
   <ds:schemaRefs>
-    <ds:schemaRef ds:uri="http://schemas.microsoft.com/office/2006/metadata/properties"/>
-    <ds:schemaRef ds:uri="http://schemas.microsoft.com/office/infopath/2007/PartnerControls"/>
-    <ds:schemaRef ds:uri="71af3243-3dd4-4a8d-8c0d-dd76da1f02a5"/>
+    <ds:schemaRef ds:uri="http://schemas.microsoft.com/sharepoint/v3/contenttype/forms"/>
   </ds:schemaRefs>
 </ds:datastoreItem>
 </file>
@@ -5859,9 +6533,11 @@
 </file>
 
 <file path=customXml/itemProps3.xml><?xml version="1.0" encoding="utf-8"?>
-<ds:datastoreItem xmlns:ds="http://schemas.openxmlformats.org/officeDocument/2006/customXml" ds:itemID="{31F006B4-A9E1-4F39-85C8-FB836F919348}">
+<ds:datastoreItem xmlns:ds="http://schemas.openxmlformats.org/officeDocument/2006/customXml" ds:itemID="{8F3CD65D-61A5-43C9-A837-6EC73C7DA8AB}">
   <ds:schemaRefs>
-    <ds:schemaRef ds:uri="http://schemas.microsoft.com/sharepoint/v3/contenttype/forms"/>
+    <ds:schemaRef ds:uri="http://schemas.microsoft.com/office/2006/metadata/properties"/>
+    <ds:schemaRef ds:uri="http://schemas.microsoft.com/office/infopath/2007/PartnerControls"/>
+    <ds:schemaRef ds:uri="71af3243-3dd4-4a8d-8c0d-dd76da1f02a5"/>
   </ds:schemaRefs>
 </ds:datastoreItem>
 </file>